--- a/ppt/04-28.pptx
+++ b/ppt/04-28.pptx
@@ -3527,6 +3527,84 @@
           <a:chExt cx="0" cy="0"/>
         </a:xfrm>
       </p:grpSpPr>
+      <p:sp>
+        <p:nvSpPr>
+          <p:cNvPr id="2" name="TextBox 1"/>
+          <p:cNvSpPr txBox="1"/>
+          <p:nvPr/>
+        </p:nvSpPr>
+        <p:spPr>
+          <a:xfrm>
+            <a:off x="337931" y="178905"/>
+            <a:ext cx="1872629" cy="369332"/>
+          </a:xfrm>
+          <a:prstGeom prst="rect">
+            <a:avLst/>
+          </a:prstGeom>
+          <a:noFill/>
+        </p:spPr>
+        <p:txBody>
+          <a:bodyPr wrap="none" rtlCol="0">
+            <a:spAutoFit/>
+          </a:bodyPr>
+          <a:lstStyle/>
+          <a:p>
+            <a:r>
+              <a:rPr lang="en-US" altLang="ko-KR" dirty="0"/>
+              <a:t>UI-SJN-32-030L</a:t>
+            </a:r>
+            <a:endParaRPr lang="ko-KR" altLang="en-US" dirty="0"/>
+          </a:p>
+        </p:txBody>
+      </p:sp>
+      <p:pic>
+        <p:nvPicPr>
+          <p:cNvPr id="3" name="그림 2"/>
+          <p:cNvPicPr>
+            <a:picLocks noChangeAspect="1"/>
+          </p:cNvPicPr>
+          <p:nvPr/>
+        </p:nvPicPr>
+        <p:blipFill>
+          <a:blip r:embed="rId2"/>
+          <a:stretch>
+            <a:fillRect/>
+          </a:stretch>
+        </p:blipFill>
+        <p:spPr>
+          <a:xfrm>
+            <a:off x="337931" y="999023"/>
+            <a:ext cx="4391638" cy="3905795"/>
+          </a:xfrm>
+          <a:prstGeom prst="rect">
+            <a:avLst/>
+          </a:prstGeom>
+        </p:spPr>
+      </p:pic>
+      <p:pic>
+        <p:nvPicPr>
+          <p:cNvPr id="4" name="그림 3"/>
+          <p:cNvPicPr>
+            <a:picLocks noChangeAspect="1"/>
+          </p:cNvPicPr>
+          <p:nvPr/>
+        </p:nvPicPr>
+        <p:blipFill>
+          <a:blip r:embed="rId3"/>
+          <a:stretch>
+            <a:fillRect/>
+          </a:stretch>
+        </p:blipFill>
+        <p:spPr>
+          <a:xfrm>
+            <a:off x="5331384" y="2036759"/>
+            <a:ext cx="4848902" cy="2029108"/>
+          </a:xfrm>
+          <a:prstGeom prst="rect">
+            <a:avLst/>
+          </a:prstGeom>
+        </p:spPr>
+      </p:pic>
     </p:spTree>
     <p:extLst>
       <p:ext uri="{BB962C8B-B14F-4D97-AF65-F5344CB8AC3E}">
